--- a/1_project_resources/个人博客全栈架构.pptx
+++ b/1_project_resources/个人博客全栈架构.pptx
@@ -3509,7 +3509,7 @@
               <a:t>     --Page</a:t>
             </a:r>
             <a:r>
-              <a:rPr lang="zh-CN" altLang="en-US" sz="1800" smtClean="0"/>
+              <a:rPr lang="zh-CN" altLang="en-US" sz="1800" dirty="0" smtClean="0"/>
               <a:t>文件夹（存放前端页面文件）</a:t>
             </a:r>
             <a:endParaRPr lang="en-US" altLang="zh-CN" sz="1800" dirty="0" smtClean="0"/>

--- a/1_project_resources/个人博客全栈架构.pptx
+++ b/1_project_resources/个人博客全栈架构.pptx
@@ -6,7 +6,8 @@
   </p:sldMasterIdLst>
   <p:sldIdLst>
     <p:sldId id="256" r:id="rId2"/>
-    <p:sldId id="257" r:id="rId3"/>
+    <p:sldId id="258" r:id="rId3"/>
+    <p:sldId id="257" r:id="rId4"/>
   </p:sldIdLst>
   <p:sldSz cx="9144000" cy="6858000" type="screen4x3"/>
   <p:notesSz cx="6858000" cy="9144000"/>
@@ -289,7 +290,7 @@
           <a:p>
             <a:fld id="{A36C87B3-AF3D-4E54-8E8D-6155007504E0}" type="datetimeFigureOut">
               <a:rPr lang="zh-CN" altLang="en-US" smtClean="0"/>
-              <a:t>2020/3/11</a:t>
+              <a:t>2020/3/16</a:t>
             </a:fld>
             <a:endParaRPr lang="zh-CN" altLang="en-US"/>
           </a:p>
@@ -459,7 +460,7 @@
           <a:p>
             <a:fld id="{A36C87B3-AF3D-4E54-8E8D-6155007504E0}" type="datetimeFigureOut">
               <a:rPr lang="zh-CN" altLang="en-US" smtClean="0"/>
-              <a:t>2020/3/11</a:t>
+              <a:t>2020/3/16</a:t>
             </a:fld>
             <a:endParaRPr lang="zh-CN" altLang="en-US"/>
           </a:p>
@@ -639,7 +640,7 @@
           <a:p>
             <a:fld id="{A36C87B3-AF3D-4E54-8E8D-6155007504E0}" type="datetimeFigureOut">
               <a:rPr lang="zh-CN" altLang="en-US" smtClean="0"/>
-              <a:t>2020/3/11</a:t>
+              <a:t>2020/3/16</a:t>
             </a:fld>
             <a:endParaRPr lang="zh-CN" altLang="en-US"/>
           </a:p>
@@ -809,7 +810,7 @@
           <a:p>
             <a:fld id="{A36C87B3-AF3D-4E54-8E8D-6155007504E0}" type="datetimeFigureOut">
               <a:rPr lang="zh-CN" altLang="en-US" smtClean="0"/>
-              <a:t>2020/3/11</a:t>
+              <a:t>2020/3/16</a:t>
             </a:fld>
             <a:endParaRPr lang="zh-CN" altLang="en-US"/>
           </a:p>
@@ -1055,7 +1056,7 @@
           <a:p>
             <a:fld id="{A36C87B3-AF3D-4E54-8E8D-6155007504E0}" type="datetimeFigureOut">
               <a:rPr lang="zh-CN" altLang="en-US" smtClean="0"/>
-              <a:t>2020/3/11</a:t>
+              <a:t>2020/3/16</a:t>
             </a:fld>
             <a:endParaRPr lang="zh-CN" altLang="en-US"/>
           </a:p>
@@ -1343,7 +1344,7 @@
           <a:p>
             <a:fld id="{A36C87B3-AF3D-4E54-8E8D-6155007504E0}" type="datetimeFigureOut">
               <a:rPr lang="zh-CN" altLang="en-US" smtClean="0"/>
-              <a:t>2020/3/11</a:t>
+              <a:t>2020/3/16</a:t>
             </a:fld>
             <a:endParaRPr lang="zh-CN" altLang="en-US"/>
           </a:p>
@@ -1765,7 +1766,7 @@
           <a:p>
             <a:fld id="{A36C87B3-AF3D-4E54-8E8D-6155007504E0}" type="datetimeFigureOut">
               <a:rPr lang="zh-CN" altLang="en-US" smtClean="0"/>
-              <a:t>2020/3/11</a:t>
+              <a:t>2020/3/16</a:t>
             </a:fld>
             <a:endParaRPr lang="zh-CN" altLang="en-US"/>
           </a:p>
@@ -1883,7 +1884,7 @@
           <a:p>
             <a:fld id="{A36C87B3-AF3D-4E54-8E8D-6155007504E0}" type="datetimeFigureOut">
               <a:rPr lang="zh-CN" altLang="en-US" smtClean="0"/>
-              <a:t>2020/3/11</a:t>
+              <a:t>2020/3/16</a:t>
             </a:fld>
             <a:endParaRPr lang="zh-CN" altLang="en-US"/>
           </a:p>
@@ -1978,7 +1979,7 @@
           <a:p>
             <a:fld id="{A36C87B3-AF3D-4E54-8E8D-6155007504E0}" type="datetimeFigureOut">
               <a:rPr lang="zh-CN" altLang="en-US" smtClean="0"/>
-              <a:t>2020/3/11</a:t>
+              <a:t>2020/3/16</a:t>
             </a:fld>
             <a:endParaRPr lang="zh-CN" altLang="en-US"/>
           </a:p>
@@ -2255,7 +2256,7 @@
           <a:p>
             <a:fld id="{A36C87B3-AF3D-4E54-8E8D-6155007504E0}" type="datetimeFigureOut">
               <a:rPr lang="zh-CN" altLang="en-US" smtClean="0"/>
-              <a:t>2020/3/11</a:t>
+              <a:t>2020/3/16</a:t>
             </a:fld>
             <a:endParaRPr lang="zh-CN" altLang="en-US"/>
           </a:p>
@@ -2508,7 +2509,7 @@
           <a:p>
             <a:fld id="{A36C87B3-AF3D-4E54-8E8D-6155007504E0}" type="datetimeFigureOut">
               <a:rPr lang="zh-CN" altLang="en-US" smtClean="0"/>
-              <a:t>2020/3/11</a:t>
+              <a:t>2020/3/16</a:t>
             </a:fld>
             <a:endParaRPr lang="zh-CN" altLang="en-US"/>
           </a:p>
@@ -2721,7 +2722,7 @@
           <a:p>
             <a:fld id="{A36C87B3-AF3D-4E54-8E8D-6155007504E0}" type="datetimeFigureOut">
               <a:rPr lang="zh-CN" altLang="en-US" smtClean="0"/>
-              <a:t>2020/3/11</a:t>
+              <a:t>2020/3/16</a:t>
             </a:fld>
             <a:endParaRPr lang="zh-CN" altLang="en-US"/>
           </a:p>
@@ -3408,6 +3409,81 @@
 </file>
 
 <file path=ppt/slides/slide2.xml><?xml version="1.0" encoding="utf-8"?>
+<p:sld xmlns:a="http://schemas.openxmlformats.org/drawingml/2006/main" xmlns:r="http://schemas.openxmlformats.org/officeDocument/2006/relationships" xmlns:p="http://schemas.openxmlformats.org/presentationml/2006/main">
+  <p:cSld>
+    <p:spTree>
+      <p:nvGrpSpPr>
+        <p:cNvPr id="1" name=""/>
+        <p:cNvGrpSpPr/>
+        <p:nvPr/>
+      </p:nvGrpSpPr>
+      <p:grpSpPr>
+        <a:xfrm>
+          <a:off x="0" y="0"/>
+          <a:ext cx="0" cy="0"/>
+          <a:chOff x="0" y="0"/>
+          <a:chExt cx="0" cy="0"/>
+        </a:xfrm>
+      </p:grpSpPr>
+      <p:sp>
+        <p:nvSpPr>
+          <p:cNvPr id="3" name="内容占位符 2"/>
+          <p:cNvSpPr>
+            <a:spLocks noGrp="1"/>
+          </p:cNvSpPr>
+          <p:nvPr>
+            <p:ph idx="1"/>
+          </p:nvPr>
+        </p:nvSpPr>
+        <p:spPr>
+          <a:xfrm>
+            <a:off x="457200" y="332656"/>
+            <a:ext cx="8229600" cy="5793507"/>
+          </a:xfrm>
+        </p:spPr>
+        <p:txBody>
+          <a:bodyPr>
+            <a:normAutofit/>
+          </a:bodyPr>
+          <a:lstStyle/>
+          <a:p>
+            <a:r>
+              <a:rPr lang="en-US" altLang="zh-CN" sz="1800" dirty="0" smtClean="0"/>
+              <a:t>Web</a:t>
+            </a:r>
+            <a:r>
+              <a:rPr lang="zh-CN" altLang="en-US" sz="1800" dirty="0" smtClean="0"/>
+              <a:t>层：定义接口，接收前端数据</a:t>
+            </a:r>
+            <a:endParaRPr lang="en-US" altLang="zh-CN" sz="1800" dirty="0" smtClean="0"/>
+          </a:p>
+          <a:p>
+            <a:r>
+              <a:rPr lang="en-US" altLang="zh-CN" sz="1800" dirty="0" smtClean="0"/>
+              <a:t>Dao</a:t>
+            </a:r>
+            <a:r>
+              <a:rPr lang="zh-CN" altLang="en-US" sz="1800" smtClean="0"/>
+              <a:t>层：链接数据库，插入数据库的方法写在这里</a:t>
+            </a:r>
+            <a:endParaRPr lang="zh-CN" altLang="en-US" sz="1800" dirty="0"/>
+          </a:p>
+        </p:txBody>
+      </p:sp>
+    </p:spTree>
+    <p:extLst>
+      <p:ext uri="{BB962C8B-B14F-4D97-AF65-F5344CB8AC3E}">
+        <p14:creationId xmlns:p14="http://schemas.microsoft.com/office/powerpoint/2010/main" val="4128993005"/>
+      </p:ext>
+    </p:extLst>
+  </p:cSld>
+  <p:clrMapOvr>
+    <a:masterClrMapping/>
+  </p:clrMapOvr>
+</p:sld>
+</file>
+
+<file path=ppt/slides/slide3.xml><?xml version="1.0" encoding="utf-8"?>
 <p:sld xmlns:a="http://schemas.openxmlformats.org/drawingml/2006/main" xmlns:r="http://schemas.openxmlformats.org/officeDocument/2006/relationships" xmlns:p="http://schemas.openxmlformats.org/presentationml/2006/main">
   <p:cSld>
     <p:spTree>

--- a/1_project_resources/个人博客全栈架构.pptx
+++ b/1_project_resources/个人博客全栈架构.pptx
@@ -6,8 +6,11 @@
   </p:sldMasterIdLst>
   <p:sldIdLst>
     <p:sldId id="256" r:id="rId2"/>
-    <p:sldId id="258" r:id="rId3"/>
-    <p:sldId id="257" r:id="rId4"/>
+    <p:sldId id="259" r:id="rId3"/>
+    <p:sldId id="258" r:id="rId4"/>
+    <p:sldId id="260" r:id="rId5"/>
+    <p:sldId id="257" r:id="rId6"/>
+    <p:sldId id="261" r:id="rId7"/>
   </p:sldIdLst>
   <p:sldSz cx="9144000" cy="6858000" type="screen4x3"/>
   <p:notesSz cx="6858000" cy="9144000"/>
@@ -3427,53 +3430,85 @@
       </p:grpSpPr>
       <p:sp>
         <p:nvSpPr>
-          <p:cNvPr id="3" name="内容占位符 2"/>
-          <p:cNvSpPr>
-            <a:spLocks noGrp="1"/>
-          </p:cNvSpPr>
-          <p:nvPr>
-            <p:ph idx="1"/>
-          </p:nvPr>
-        </p:nvSpPr>
-        <p:spPr>
+          <p:cNvPr id="2" name="标题 1"/>
+          <p:cNvSpPr>
+            <a:spLocks noGrp="1"/>
+          </p:cNvSpPr>
+          <p:nvPr>
+            <p:ph type="title"/>
+          </p:nvPr>
+        </p:nvSpPr>
+        <p:spPr/>
+        <p:txBody>
+          <a:bodyPr/>
+          <a:lstStyle/>
+          <a:p>
+            <a:r>
+              <a:rPr lang="zh-CN" altLang="en-US" dirty="0" smtClean="0"/>
+              <a:t>数据流程</a:t>
+            </a:r>
+            <a:endParaRPr lang="zh-CN" altLang="en-US" dirty="0"/>
+          </a:p>
+        </p:txBody>
+      </p:sp>
+      <p:pic>
+        <p:nvPicPr>
+          <p:cNvPr id="1029" name="Picture 5"/>
+          <p:cNvPicPr>
+            <a:picLocks noChangeAspect="1" noChangeArrowheads="1"/>
+          </p:cNvPicPr>
+          <p:nvPr/>
+        </p:nvPicPr>
+        <p:blipFill>
+          <a:blip r:embed="rId2">
+            <a:extLst>
+              <a:ext uri="{28A0092B-C50C-407E-A947-70E740481C1C}">
+                <a14:useLocalDpi xmlns:a14="http://schemas.microsoft.com/office/drawing/2010/main" val="0"/>
+              </a:ext>
+            </a:extLst>
+          </a:blip>
+          <a:srcRect/>
+          <a:stretch>
+            <a:fillRect/>
+          </a:stretch>
+        </p:blipFill>
+        <p:spPr bwMode="auto">
           <a:xfrm>
-            <a:off x="457200" y="332656"/>
-            <a:ext cx="8229600" cy="5793507"/>
+            <a:off x="611560" y="2636912"/>
+            <a:ext cx="7848600" cy="2762250"/>
           </a:xfrm>
+          <a:prstGeom prst="rect">
+            <a:avLst/>
+          </a:prstGeom>
+          <a:noFill/>
+          <a:ln>
+            <a:noFill/>
+          </a:ln>
+          <a:extLst>
+            <a:ext uri="{909E8E84-426E-40DD-AFC4-6F175D3DCCD1}">
+              <a14:hiddenFill xmlns:a14="http://schemas.microsoft.com/office/drawing/2010/main">
+                <a:solidFill>
+                  <a:schemeClr val="accent1"/>
+                </a:solidFill>
+              </a14:hiddenFill>
+            </a:ext>
+            <a:ext uri="{91240B29-F687-4F45-9708-019B960494DF}">
+              <a14:hiddenLine xmlns:a14="http://schemas.microsoft.com/office/drawing/2010/main" w="9525">
+                <a:solidFill>
+                  <a:schemeClr val="tx1"/>
+                </a:solidFill>
+                <a:miter lim="800000"/>
+                <a:headEnd/>
+                <a:tailEnd/>
+              </a14:hiddenLine>
+            </a:ext>
+          </a:extLst>
         </p:spPr>
-        <p:txBody>
-          <a:bodyPr>
-            <a:normAutofit/>
-          </a:bodyPr>
-          <a:lstStyle/>
-          <a:p>
-            <a:r>
-              <a:rPr lang="en-US" altLang="zh-CN" sz="1800" dirty="0" smtClean="0"/>
-              <a:t>Web</a:t>
-            </a:r>
-            <a:r>
-              <a:rPr lang="zh-CN" altLang="en-US" sz="1800" dirty="0" smtClean="0"/>
-              <a:t>层：定义接口，接收前端数据</a:t>
-            </a:r>
-            <a:endParaRPr lang="en-US" altLang="zh-CN" sz="1800" dirty="0" smtClean="0"/>
-          </a:p>
-          <a:p>
-            <a:r>
-              <a:rPr lang="en-US" altLang="zh-CN" sz="1800" dirty="0" smtClean="0"/>
-              <a:t>Dao</a:t>
-            </a:r>
-            <a:r>
-              <a:rPr lang="zh-CN" altLang="en-US" sz="1800" smtClean="0"/>
-              <a:t>层：链接数据库，插入数据库的方法写在这里</a:t>
-            </a:r>
-            <a:endParaRPr lang="zh-CN" altLang="en-US" sz="1800" dirty="0"/>
-          </a:p>
-        </p:txBody>
-      </p:sp>
+      </p:pic>
     </p:spTree>
     <p:extLst>
       <p:ext uri="{BB962C8B-B14F-4D97-AF65-F5344CB8AC3E}">
-        <p14:creationId xmlns:p14="http://schemas.microsoft.com/office/powerpoint/2010/main" val="4128993005"/>
+        <p14:creationId xmlns:p14="http://schemas.microsoft.com/office/powerpoint/2010/main" val="3894166900"/>
       </p:ext>
     </p:extLst>
   </p:cSld>
@@ -3502,6 +3537,276 @@
       </p:grpSpPr>
       <p:sp>
         <p:nvSpPr>
+          <p:cNvPr id="3" name="内容占位符 2"/>
+          <p:cNvSpPr>
+            <a:spLocks noGrp="1"/>
+          </p:cNvSpPr>
+          <p:nvPr>
+            <p:ph idx="1"/>
+          </p:nvPr>
+        </p:nvSpPr>
+        <p:spPr>
+          <a:xfrm>
+            <a:off x="457200" y="332656"/>
+            <a:ext cx="8229600" cy="5793507"/>
+          </a:xfrm>
+        </p:spPr>
+        <p:txBody>
+          <a:bodyPr>
+            <a:normAutofit/>
+          </a:bodyPr>
+          <a:lstStyle/>
+          <a:p>
+            <a:r>
+              <a:rPr lang="en-US" altLang="zh-CN" sz="1800" dirty="0" smtClean="0"/>
+              <a:t>Web</a:t>
+            </a:r>
+            <a:r>
+              <a:rPr lang="zh-CN" altLang="en-US" sz="1800" dirty="0" smtClean="0"/>
+              <a:t>层：定义接口，接收前端数据</a:t>
+            </a:r>
+            <a:endParaRPr lang="en-US" altLang="zh-CN" sz="1800" dirty="0" smtClean="0"/>
+          </a:p>
+          <a:p>
+            <a:r>
+              <a:rPr lang="en-US" altLang="zh-CN" sz="1800" dirty="0" smtClean="0"/>
+              <a:t>Dao</a:t>
+            </a:r>
+            <a:r>
+              <a:rPr lang="zh-CN" altLang="en-US" sz="1800" dirty="0" smtClean="0"/>
+              <a:t>层：链接数据库，插入数据库的方法写在这里</a:t>
+            </a:r>
+            <a:endParaRPr lang="en-US" altLang="zh-CN" sz="1800" dirty="0" smtClean="0"/>
+          </a:p>
+          <a:p>
+            <a:endParaRPr lang="en-US" altLang="zh-CN" sz="1800" dirty="0"/>
+          </a:p>
+          <a:p>
+            <a:endParaRPr lang="en-US" altLang="zh-CN" sz="1800" dirty="0" smtClean="0"/>
+          </a:p>
+          <a:p>
+            <a:endParaRPr lang="en-US" altLang="zh-CN" sz="1800" dirty="0"/>
+          </a:p>
+          <a:p>
+            <a:r>
+              <a:rPr lang="en-US" altLang="zh-CN" sz="1800" dirty="0" err="1" smtClean="0"/>
+              <a:t>res.writeHead</a:t>
+            </a:r>
+            <a:r>
+              <a:rPr lang="en-US" altLang="zh-CN" sz="1800" dirty="0" smtClean="0"/>
+              <a:t>() </a:t>
+            </a:r>
+            <a:r>
+              <a:rPr lang="zh-CN" altLang="en-US" sz="1800" dirty="0" smtClean="0"/>
+              <a:t>和 </a:t>
+            </a:r>
+            <a:r>
+              <a:rPr lang="en-US" altLang="zh-CN" sz="1800" dirty="0" err="1" smtClean="0"/>
+              <a:t>res.write</a:t>
+            </a:r>
+            <a:r>
+              <a:rPr lang="en-US" altLang="zh-CN" sz="1800" dirty="0" smtClean="0"/>
+              <a:t>() </a:t>
+            </a:r>
+            <a:r>
+              <a:rPr lang="zh-CN" altLang="en-US" sz="1800" dirty="0" smtClean="0"/>
+              <a:t>是一组，如果一开始使用</a:t>
+            </a:r>
+            <a:r>
+              <a:rPr lang="en-US" altLang="zh-CN" sz="1800" dirty="0" err="1"/>
+              <a:t>res.writeHead</a:t>
+            </a:r>
+            <a:r>
+              <a:rPr lang="en-US" altLang="zh-CN" sz="1800" dirty="0"/>
+              <a:t>() </a:t>
+            </a:r>
+            <a:r>
+              <a:rPr lang="zh-CN" altLang="en-US" sz="1800" dirty="0" smtClean="0"/>
+              <a:t>写响应头，后面如果要传内容需要用</a:t>
+            </a:r>
+            <a:r>
+              <a:rPr lang="en-US" altLang="zh-CN" sz="1800" dirty="0" err="1" smtClean="0"/>
+              <a:t>res.write</a:t>
+            </a:r>
+            <a:r>
+              <a:rPr lang="en-US" altLang="zh-CN" sz="1800" dirty="0" smtClean="0"/>
+              <a:t>()</a:t>
+            </a:r>
+            <a:r>
+              <a:rPr lang="zh-CN" altLang="en-US" sz="1800" dirty="0" smtClean="0"/>
+              <a:t>传入，并且需要使用</a:t>
+            </a:r>
+            <a:r>
+              <a:rPr lang="en-US" altLang="zh-CN" sz="1800" dirty="0" err="1" smtClean="0"/>
+              <a:t>res.end</a:t>
+            </a:r>
+            <a:r>
+              <a:rPr lang="en-US" altLang="zh-CN" sz="1800" dirty="0" smtClean="0"/>
+              <a:t>()</a:t>
+            </a:r>
+            <a:r>
+              <a:rPr lang="zh-CN" altLang="en-US" sz="1800" smtClean="0"/>
+              <a:t>结束这次响应</a:t>
+            </a:r>
+            <a:endParaRPr lang="zh-CN" altLang="en-US" sz="1800" dirty="0"/>
+          </a:p>
+        </p:txBody>
+      </p:sp>
+    </p:spTree>
+    <p:extLst>
+      <p:ext uri="{BB962C8B-B14F-4D97-AF65-F5344CB8AC3E}">
+        <p14:creationId xmlns:p14="http://schemas.microsoft.com/office/powerpoint/2010/main" val="4128993005"/>
+      </p:ext>
+    </p:extLst>
+  </p:cSld>
+  <p:clrMapOvr>
+    <a:masterClrMapping/>
+  </p:clrMapOvr>
+</p:sld>
+</file>
+
+<file path=ppt/slides/slide4.xml><?xml version="1.0" encoding="utf-8"?>
+<p:sld xmlns:a="http://schemas.openxmlformats.org/drawingml/2006/main" xmlns:r="http://schemas.openxmlformats.org/officeDocument/2006/relationships" xmlns:p="http://schemas.openxmlformats.org/presentationml/2006/main">
+  <p:cSld>
+    <p:spTree>
+      <p:nvGrpSpPr>
+        <p:cNvPr id="1" name=""/>
+        <p:cNvGrpSpPr/>
+        <p:nvPr/>
+      </p:nvGrpSpPr>
+      <p:grpSpPr>
+        <a:xfrm>
+          <a:off x="0" y="0"/>
+          <a:ext cx="0" cy="0"/>
+          <a:chOff x="0" y="0"/>
+          <a:chExt cx="0" cy="0"/>
+        </a:xfrm>
+      </p:grpSpPr>
+      <p:sp>
+        <p:nvSpPr>
+          <p:cNvPr id="3" name="内容占位符 2"/>
+          <p:cNvSpPr>
+            <a:spLocks noGrp="1"/>
+          </p:cNvSpPr>
+          <p:nvPr>
+            <p:ph idx="1"/>
+          </p:nvPr>
+        </p:nvSpPr>
+        <p:spPr>
+          <a:xfrm>
+            <a:off x="457200" y="404664"/>
+            <a:ext cx="8229600" cy="936104"/>
+          </a:xfrm>
+        </p:spPr>
+        <p:txBody>
+          <a:bodyPr>
+            <a:normAutofit/>
+          </a:bodyPr>
+          <a:lstStyle/>
+          <a:p>
+            <a:pPr marL="0" indent="0" algn="ctr">
+              <a:buNone/>
+            </a:pPr>
+            <a:r>
+              <a:rPr lang="zh-CN" altLang="en-US" sz="2400" dirty="0" smtClean="0">
+                <a:latin typeface="+mj-ea"/>
+                <a:ea typeface="+mj-ea"/>
+              </a:rPr>
+              <a:t>插入文章到数据库的逻辑</a:t>
+            </a:r>
+            <a:endParaRPr lang="en-US" altLang="zh-CN" sz="2400" dirty="0" smtClean="0">
+              <a:latin typeface="+mj-ea"/>
+              <a:ea typeface="+mj-ea"/>
+            </a:endParaRPr>
+          </a:p>
+        </p:txBody>
+      </p:sp>
+      <p:pic>
+        <p:nvPicPr>
+          <p:cNvPr id="2050" name="Picture 2"/>
+          <p:cNvPicPr>
+            <a:picLocks noChangeAspect="1" noChangeArrowheads="1"/>
+          </p:cNvPicPr>
+          <p:nvPr/>
+        </p:nvPicPr>
+        <p:blipFill>
+          <a:blip r:embed="rId2">
+            <a:extLst>
+              <a:ext uri="{28A0092B-C50C-407E-A947-70E740481C1C}">
+                <a14:useLocalDpi xmlns:a14="http://schemas.microsoft.com/office/drawing/2010/main" val="0"/>
+              </a:ext>
+            </a:extLst>
+          </a:blip>
+          <a:srcRect/>
+          <a:stretch>
+            <a:fillRect/>
+          </a:stretch>
+        </p:blipFill>
+        <p:spPr bwMode="auto">
+          <a:xfrm>
+            <a:off x="2533650" y="1795463"/>
+            <a:ext cx="4076700" cy="3267075"/>
+          </a:xfrm>
+          <a:prstGeom prst="rect">
+            <a:avLst/>
+          </a:prstGeom>
+          <a:noFill/>
+          <a:ln>
+            <a:noFill/>
+          </a:ln>
+          <a:extLst>
+            <a:ext uri="{909E8E84-426E-40DD-AFC4-6F175D3DCCD1}">
+              <a14:hiddenFill xmlns:a14="http://schemas.microsoft.com/office/drawing/2010/main">
+                <a:solidFill>
+                  <a:schemeClr val="accent1"/>
+                </a:solidFill>
+              </a14:hiddenFill>
+            </a:ext>
+            <a:ext uri="{91240B29-F687-4F45-9708-019B960494DF}">
+              <a14:hiddenLine xmlns:a14="http://schemas.microsoft.com/office/drawing/2010/main" w="9525">
+                <a:solidFill>
+                  <a:schemeClr val="tx1"/>
+                </a:solidFill>
+                <a:miter lim="800000"/>
+                <a:headEnd/>
+                <a:tailEnd/>
+              </a14:hiddenLine>
+            </a:ext>
+          </a:extLst>
+        </p:spPr>
+      </p:pic>
+    </p:spTree>
+    <p:extLst>
+      <p:ext uri="{BB962C8B-B14F-4D97-AF65-F5344CB8AC3E}">
+        <p14:creationId xmlns:p14="http://schemas.microsoft.com/office/powerpoint/2010/main" val="1290039388"/>
+      </p:ext>
+    </p:extLst>
+  </p:cSld>
+  <p:clrMapOvr>
+    <a:masterClrMapping/>
+  </p:clrMapOvr>
+</p:sld>
+</file>
+
+<file path=ppt/slides/slide5.xml><?xml version="1.0" encoding="utf-8"?>
+<p:sld xmlns:a="http://schemas.openxmlformats.org/drawingml/2006/main" xmlns:r="http://schemas.openxmlformats.org/officeDocument/2006/relationships" xmlns:p="http://schemas.openxmlformats.org/presentationml/2006/main">
+  <p:cSld>
+    <p:spTree>
+      <p:nvGrpSpPr>
+        <p:cNvPr id="1" name=""/>
+        <p:cNvGrpSpPr/>
+        <p:nvPr/>
+      </p:nvGrpSpPr>
+      <p:grpSpPr>
+        <a:xfrm>
+          <a:off x="0" y="0"/>
+          <a:ext cx="0" cy="0"/>
+          <a:chOff x="0" y="0"/>
+          <a:chExt cx="0" cy="0"/>
+        </a:xfrm>
+      </p:grpSpPr>
+      <p:sp>
+        <p:nvSpPr>
           <p:cNvPr id="2" name="标题 1"/>
           <p:cNvSpPr>
             <a:spLocks noGrp="1"/>
@@ -3691,6 +3996,434 @@
     <p:extLst>
       <p:ext uri="{BB962C8B-B14F-4D97-AF65-F5344CB8AC3E}">
         <p14:creationId xmlns:p14="http://schemas.microsoft.com/office/powerpoint/2010/main" val="725634816"/>
+      </p:ext>
+    </p:extLst>
+  </p:cSld>
+  <p:clrMapOvr>
+    <a:masterClrMapping/>
+  </p:clrMapOvr>
+</p:sld>
+</file>
+
+<file path=ppt/slides/slide6.xml><?xml version="1.0" encoding="utf-8"?>
+<p:sld xmlns:a="http://schemas.openxmlformats.org/drawingml/2006/main" xmlns:r="http://schemas.openxmlformats.org/officeDocument/2006/relationships" xmlns:p="http://schemas.openxmlformats.org/presentationml/2006/main">
+  <p:cSld>
+    <p:spTree>
+      <p:nvGrpSpPr>
+        <p:cNvPr id="1" name=""/>
+        <p:cNvGrpSpPr/>
+        <p:nvPr/>
+      </p:nvGrpSpPr>
+      <p:grpSpPr>
+        <a:xfrm>
+          <a:off x="0" y="0"/>
+          <a:ext cx="0" cy="0"/>
+          <a:chOff x="0" y="0"/>
+          <a:chExt cx="0" cy="0"/>
+        </a:xfrm>
+      </p:grpSpPr>
+      <p:sp>
+        <p:nvSpPr>
+          <p:cNvPr id="2" name="标题 1"/>
+          <p:cNvSpPr>
+            <a:spLocks noGrp="1"/>
+          </p:cNvSpPr>
+          <p:nvPr>
+            <p:ph type="title"/>
+          </p:nvPr>
+        </p:nvSpPr>
+        <p:spPr/>
+        <p:txBody>
+          <a:bodyPr>
+            <a:normAutofit/>
+          </a:bodyPr>
+          <a:lstStyle/>
+          <a:p>
+            <a:pPr algn="l"/>
+            <a:r>
+              <a:rPr lang="zh-CN" altLang="en-US" sz="2800" b="1" dirty="0" smtClean="0">
+                <a:solidFill>
+                  <a:srgbClr val="FF0000"/>
+                </a:solidFill>
+                <a:latin typeface="+mn-ea"/>
+                <a:ea typeface="+mn-ea"/>
+              </a:rPr>
+              <a:t>多次提交编辑文章，会出现以下错误</a:t>
+            </a:r>
+            <a:endParaRPr lang="zh-CN" altLang="en-US" sz="2800" b="1" dirty="0">
+              <a:solidFill>
+                <a:srgbClr val="FF0000"/>
+              </a:solidFill>
+              <a:latin typeface="+mn-ea"/>
+              <a:ea typeface="+mn-ea"/>
+            </a:endParaRPr>
+          </a:p>
+        </p:txBody>
+      </p:sp>
+      <p:sp>
+        <p:nvSpPr>
+          <p:cNvPr id="3" name="内容占位符 2"/>
+          <p:cNvSpPr>
+            <a:spLocks noGrp="1"/>
+          </p:cNvSpPr>
+          <p:nvPr>
+            <p:ph idx="1"/>
+          </p:nvPr>
+        </p:nvSpPr>
+        <p:spPr/>
+        <p:txBody>
+          <a:bodyPr>
+            <a:normAutofit fontScale="47500" lnSpcReduction="20000"/>
+          </a:bodyPr>
+          <a:lstStyle/>
+          <a:p>
+            <a:pPr marL="0" indent="0">
+              <a:buNone/>
+            </a:pPr>
+            <a:r>
+              <a:rPr lang="en-US" altLang="zh-CN" dirty="0"/>
+              <a:t>Error [ERR_HTTP_HEADERS_SENT]: Cannot render headers after they are sent to the client</a:t>
+            </a:r>
+          </a:p>
+          <a:p>
+            <a:pPr marL="0" indent="0">
+              <a:buNone/>
+            </a:pPr>
+            <a:r>
+              <a:rPr lang="en-US" altLang="zh-CN" dirty="0"/>
+              <a:t>    at </a:t>
+            </a:r>
+            <a:r>
+              <a:rPr lang="en-US" altLang="zh-CN" dirty="0" err="1"/>
+              <a:t>ServerResponse.writeHead</a:t>
+            </a:r>
+            <a:r>
+              <a:rPr lang="en-US" altLang="zh-CN" dirty="0"/>
+              <a:t> (_http_server.js:236:13)</a:t>
+            </a:r>
+          </a:p>
+          <a:p>
+            <a:pPr marL="0" indent="0">
+              <a:buNone/>
+            </a:pPr>
+            <a:r>
+              <a:rPr lang="en-US" altLang="zh-CN" dirty="0"/>
+              <a:t>    at D:\xhn\programs\deltaning.com\web\BlogController.js:17:17</a:t>
+            </a:r>
+          </a:p>
+          <a:p>
+            <a:pPr marL="0" indent="0">
+              <a:buNone/>
+            </a:pPr>
+            <a:r>
+              <a:rPr lang="en-US" altLang="zh-CN" dirty="0"/>
+              <a:t>    at Query.&lt;anonymous&gt; (D:\</a:t>
+            </a:r>
+            <a:r>
+              <a:rPr lang="en-US" altLang="zh-CN" dirty="0" err="1"/>
+              <a:t>xhn</a:t>
+            </a:r>
+            <a:r>
+              <a:rPr lang="en-US" altLang="zh-CN" dirty="0"/>
+              <a:t>\programs\deltaning.com\</a:t>
+            </a:r>
+            <a:r>
+              <a:rPr lang="en-US" altLang="zh-CN" dirty="0" err="1"/>
+              <a:t>dao</a:t>
+            </a:r>
+            <a:r>
+              <a:rPr lang="en-US" altLang="zh-CN" dirty="0"/>
+              <a:t>\BlogDao.js:18:13)</a:t>
+            </a:r>
+          </a:p>
+          <a:p>
+            <a:pPr marL="0" indent="0">
+              <a:buNone/>
+            </a:pPr>
+            <a:r>
+              <a:rPr lang="en-US" altLang="zh-CN" dirty="0"/>
+              <a:t>    at Query.&lt;anonymous&gt; (D:\</a:t>
+            </a:r>
+            <a:r>
+              <a:rPr lang="en-US" altLang="zh-CN" dirty="0" err="1"/>
+              <a:t>xhn</a:t>
+            </a:r>
+            <a:r>
+              <a:rPr lang="en-US" altLang="zh-CN" dirty="0"/>
+              <a:t>\programs\deltaning.com\</a:t>
+            </a:r>
+            <a:r>
+              <a:rPr lang="en-US" altLang="zh-CN" dirty="0" err="1"/>
+              <a:t>node_modules</a:t>
+            </a:r>
+            <a:r>
+              <a:rPr lang="en-US" altLang="zh-CN" dirty="0"/>
+              <a:t>\</a:t>
+            </a:r>
+            <a:r>
+              <a:rPr lang="en-US" altLang="zh-CN" dirty="0" err="1"/>
+              <a:t>mysql</a:t>
+            </a:r>
+            <a:r>
+              <a:rPr lang="en-US" altLang="zh-CN" dirty="0"/>
+              <a:t>\lib\Connection.js:526:10)</a:t>
+            </a:r>
+          </a:p>
+          <a:p>
+            <a:pPr marL="0" indent="0">
+              <a:buNone/>
+            </a:pPr>
+            <a:r>
+              <a:rPr lang="en-US" altLang="zh-CN" dirty="0"/>
+              <a:t>    at </a:t>
+            </a:r>
+            <a:r>
+              <a:rPr lang="en-US" altLang="zh-CN" dirty="0" err="1"/>
+              <a:t>Query._callback</a:t>
+            </a:r>
+            <a:r>
+              <a:rPr lang="en-US" altLang="zh-CN" dirty="0"/>
+              <a:t> (D:\</a:t>
+            </a:r>
+            <a:r>
+              <a:rPr lang="en-US" altLang="zh-CN" dirty="0" err="1"/>
+              <a:t>xhn</a:t>
+            </a:r>
+            <a:r>
+              <a:rPr lang="en-US" altLang="zh-CN" dirty="0"/>
+              <a:t>\programs\deltaning.com\</a:t>
+            </a:r>
+            <a:r>
+              <a:rPr lang="en-US" altLang="zh-CN" dirty="0" err="1"/>
+              <a:t>node_modules</a:t>
+            </a:r>
+            <a:r>
+              <a:rPr lang="en-US" altLang="zh-CN" dirty="0"/>
+              <a:t>\</a:t>
+            </a:r>
+            <a:r>
+              <a:rPr lang="en-US" altLang="zh-CN" dirty="0" err="1"/>
+              <a:t>mysql</a:t>
+            </a:r>
+            <a:r>
+              <a:rPr lang="en-US" altLang="zh-CN" dirty="0"/>
+              <a:t>\lib\Connection.js:488:16)</a:t>
+            </a:r>
+          </a:p>
+          <a:p>
+            <a:pPr marL="0" indent="0">
+              <a:buNone/>
+            </a:pPr>
+            <a:r>
+              <a:rPr lang="en-US" altLang="zh-CN" dirty="0"/>
+              <a:t>    at </a:t>
+            </a:r>
+            <a:r>
+              <a:rPr lang="en-US" altLang="zh-CN" dirty="0" err="1"/>
+              <a:t>Query.Sequence.end</a:t>
+            </a:r>
+            <a:r>
+              <a:rPr lang="en-US" altLang="zh-CN" dirty="0"/>
+              <a:t> (D:\</a:t>
+            </a:r>
+            <a:r>
+              <a:rPr lang="en-US" altLang="zh-CN" dirty="0" err="1"/>
+              <a:t>xhn</a:t>
+            </a:r>
+            <a:r>
+              <a:rPr lang="en-US" altLang="zh-CN" dirty="0"/>
+              <a:t>\programs\deltaning.com\</a:t>
+            </a:r>
+            <a:r>
+              <a:rPr lang="en-US" altLang="zh-CN" dirty="0" err="1"/>
+              <a:t>node_modules</a:t>
+            </a:r>
+            <a:r>
+              <a:rPr lang="en-US" altLang="zh-CN" dirty="0"/>
+              <a:t>\</a:t>
+            </a:r>
+            <a:r>
+              <a:rPr lang="en-US" altLang="zh-CN" dirty="0" err="1"/>
+              <a:t>mysql</a:t>
+            </a:r>
+            <a:r>
+              <a:rPr lang="en-US" altLang="zh-CN" dirty="0"/>
+              <a:t>\lib\protocol\sequences\Sequence.js:83:24)</a:t>
+            </a:r>
+          </a:p>
+          <a:p>
+            <a:pPr marL="0" indent="0">
+              <a:buNone/>
+            </a:pPr>
+            <a:r>
+              <a:rPr lang="en-US" altLang="zh-CN" dirty="0"/>
+              <a:t>    at Query._</a:t>
+            </a:r>
+            <a:r>
+              <a:rPr lang="en-US" altLang="zh-CN" dirty="0" err="1"/>
+              <a:t>handleFinalResultPacket</a:t>
+            </a:r>
+            <a:r>
+              <a:rPr lang="en-US" altLang="zh-CN" dirty="0"/>
+              <a:t> (D:\</a:t>
+            </a:r>
+            <a:r>
+              <a:rPr lang="en-US" altLang="zh-CN" dirty="0" err="1"/>
+              <a:t>xhn</a:t>
+            </a:r>
+            <a:r>
+              <a:rPr lang="en-US" altLang="zh-CN" dirty="0"/>
+              <a:t>\programs\deltaning.com\</a:t>
+            </a:r>
+            <a:r>
+              <a:rPr lang="en-US" altLang="zh-CN" dirty="0" err="1"/>
+              <a:t>node_modules</a:t>
+            </a:r>
+            <a:r>
+              <a:rPr lang="en-US" altLang="zh-CN" dirty="0"/>
+              <a:t>\</a:t>
+            </a:r>
+            <a:r>
+              <a:rPr lang="en-US" altLang="zh-CN" dirty="0" err="1"/>
+              <a:t>mysql</a:t>
+            </a:r>
+            <a:r>
+              <a:rPr lang="en-US" altLang="zh-CN" dirty="0"/>
+              <a:t>\lib\protocol\sequences\Query.js:149:8)</a:t>
+            </a:r>
+          </a:p>
+          <a:p>
+            <a:pPr marL="0" indent="0">
+              <a:buNone/>
+            </a:pPr>
+            <a:r>
+              <a:rPr lang="en-US" altLang="zh-CN" dirty="0"/>
+              <a:t>    at </a:t>
+            </a:r>
+            <a:r>
+              <a:rPr lang="en-US" altLang="zh-CN" dirty="0" err="1"/>
+              <a:t>Query.OkPacket</a:t>
+            </a:r>
+            <a:r>
+              <a:rPr lang="en-US" altLang="zh-CN" dirty="0"/>
+              <a:t> (D:\</a:t>
+            </a:r>
+            <a:r>
+              <a:rPr lang="en-US" altLang="zh-CN" dirty="0" err="1"/>
+              <a:t>xhn</a:t>
+            </a:r>
+            <a:r>
+              <a:rPr lang="en-US" altLang="zh-CN" dirty="0"/>
+              <a:t>\programs\deltaning.com\</a:t>
+            </a:r>
+            <a:r>
+              <a:rPr lang="en-US" altLang="zh-CN" dirty="0" err="1"/>
+              <a:t>node_modules</a:t>
+            </a:r>
+            <a:r>
+              <a:rPr lang="en-US" altLang="zh-CN" dirty="0"/>
+              <a:t>\</a:t>
+            </a:r>
+            <a:r>
+              <a:rPr lang="en-US" altLang="zh-CN" dirty="0" err="1"/>
+              <a:t>mysql</a:t>
+            </a:r>
+            <a:r>
+              <a:rPr lang="en-US" altLang="zh-CN" dirty="0"/>
+              <a:t>\lib\protocol\sequences\Query.js:74:10)</a:t>
+            </a:r>
+          </a:p>
+          <a:p>
+            <a:pPr marL="0" indent="0">
+              <a:buNone/>
+            </a:pPr>
+            <a:r>
+              <a:rPr lang="en-US" altLang="zh-CN" dirty="0"/>
+              <a:t>    at Protocol._</a:t>
+            </a:r>
+            <a:r>
+              <a:rPr lang="en-US" altLang="zh-CN" dirty="0" err="1"/>
+              <a:t>parsePacket</a:t>
+            </a:r>
+            <a:r>
+              <a:rPr lang="en-US" altLang="zh-CN" dirty="0"/>
+              <a:t> (D:\</a:t>
+            </a:r>
+            <a:r>
+              <a:rPr lang="en-US" altLang="zh-CN" dirty="0" err="1"/>
+              <a:t>xhn</a:t>
+            </a:r>
+            <a:r>
+              <a:rPr lang="en-US" altLang="zh-CN" dirty="0"/>
+              <a:t>\programs\deltaning.com\</a:t>
+            </a:r>
+            <a:r>
+              <a:rPr lang="en-US" altLang="zh-CN" dirty="0" err="1"/>
+              <a:t>node_modules</a:t>
+            </a:r>
+            <a:r>
+              <a:rPr lang="en-US" altLang="zh-CN" dirty="0"/>
+              <a:t>\</a:t>
+            </a:r>
+            <a:r>
+              <a:rPr lang="en-US" altLang="zh-CN" dirty="0" err="1"/>
+              <a:t>mysql</a:t>
+            </a:r>
+            <a:r>
+              <a:rPr lang="en-US" altLang="zh-CN" dirty="0"/>
+              <a:t>\lib\protocol\Protocol.js:291:23)</a:t>
+            </a:r>
+          </a:p>
+          <a:p>
+            <a:pPr marL="0" indent="0">
+              <a:buNone/>
+            </a:pPr>
+            <a:r>
+              <a:rPr lang="en-US" altLang="zh-CN" dirty="0"/>
+              <a:t>    at Parser._</a:t>
+            </a:r>
+            <a:r>
+              <a:rPr lang="en-US" altLang="zh-CN" dirty="0" err="1"/>
+              <a:t>parsePacket</a:t>
+            </a:r>
+            <a:r>
+              <a:rPr lang="en-US" altLang="zh-CN" dirty="0"/>
+              <a:t> (D:\</a:t>
+            </a:r>
+            <a:r>
+              <a:rPr lang="en-US" altLang="zh-CN" dirty="0" err="1"/>
+              <a:t>xhn</a:t>
+            </a:r>
+            <a:r>
+              <a:rPr lang="en-US" altLang="zh-CN" dirty="0"/>
+              <a:t>\programs\deltaning.com\</a:t>
+            </a:r>
+            <a:r>
+              <a:rPr lang="en-US" altLang="zh-CN" dirty="0" err="1"/>
+              <a:t>node_modules</a:t>
+            </a:r>
+            <a:r>
+              <a:rPr lang="en-US" altLang="zh-CN" dirty="0"/>
+              <a:t>\</a:t>
+            </a:r>
+            <a:r>
+              <a:rPr lang="en-US" altLang="zh-CN" dirty="0" err="1"/>
+              <a:t>mysql</a:t>
+            </a:r>
+            <a:r>
+              <a:rPr lang="en-US" altLang="zh-CN" dirty="0"/>
+              <a:t>\lib\protocol\Parser.js:433:10)</a:t>
+            </a:r>
+          </a:p>
+          <a:p>
+            <a:endParaRPr lang="zh-CN" altLang="en-US" dirty="0"/>
+          </a:p>
+        </p:txBody>
+      </p:sp>
+    </p:spTree>
+    <p:extLst>
+      <p:ext uri="{BB962C8B-B14F-4D97-AF65-F5344CB8AC3E}">
+        <p14:creationId xmlns:p14="http://schemas.microsoft.com/office/powerpoint/2010/main" val="2688022339"/>
       </p:ext>
     </p:extLst>
   </p:cSld>

--- a/1_project_resources/个人博客全栈架构.pptx
+++ b/1_project_resources/个人博客全栈架构.pptx
@@ -11,6 +11,7 @@
     <p:sldId id="260" r:id="rId5"/>
     <p:sldId id="257" r:id="rId6"/>
     <p:sldId id="261" r:id="rId7"/>
+    <p:sldId id="262" r:id="rId8"/>
   </p:sldIdLst>
   <p:sldSz cx="9144000" cy="6858000" type="screen4x3"/>
   <p:notesSz cx="6858000" cy="9144000"/>
@@ -293,7 +294,7 @@
           <a:p>
             <a:fld id="{A36C87B3-AF3D-4E54-8E8D-6155007504E0}" type="datetimeFigureOut">
               <a:rPr lang="zh-CN" altLang="en-US" smtClean="0"/>
-              <a:t>2020/3/16</a:t>
+              <a:t>2020/3/23</a:t>
             </a:fld>
             <a:endParaRPr lang="zh-CN" altLang="en-US"/>
           </a:p>
@@ -463,7 +464,7 @@
           <a:p>
             <a:fld id="{A36C87B3-AF3D-4E54-8E8D-6155007504E0}" type="datetimeFigureOut">
               <a:rPr lang="zh-CN" altLang="en-US" smtClean="0"/>
-              <a:t>2020/3/16</a:t>
+              <a:t>2020/3/23</a:t>
             </a:fld>
             <a:endParaRPr lang="zh-CN" altLang="en-US"/>
           </a:p>
@@ -643,7 +644,7 @@
           <a:p>
             <a:fld id="{A36C87B3-AF3D-4E54-8E8D-6155007504E0}" type="datetimeFigureOut">
               <a:rPr lang="zh-CN" altLang="en-US" smtClean="0"/>
-              <a:t>2020/3/16</a:t>
+              <a:t>2020/3/23</a:t>
             </a:fld>
             <a:endParaRPr lang="zh-CN" altLang="en-US"/>
           </a:p>
@@ -813,7 +814,7 @@
           <a:p>
             <a:fld id="{A36C87B3-AF3D-4E54-8E8D-6155007504E0}" type="datetimeFigureOut">
               <a:rPr lang="zh-CN" altLang="en-US" smtClean="0"/>
-              <a:t>2020/3/16</a:t>
+              <a:t>2020/3/23</a:t>
             </a:fld>
             <a:endParaRPr lang="zh-CN" altLang="en-US"/>
           </a:p>
@@ -1059,7 +1060,7 @@
           <a:p>
             <a:fld id="{A36C87B3-AF3D-4E54-8E8D-6155007504E0}" type="datetimeFigureOut">
               <a:rPr lang="zh-CN" altLang="en-US" smtClean="0"/>
-              <a:t>2020/3/16</a:t>
+              <a:t>2020/3/23</a:t>
             </a:fld>
             <a:endParaRPr lang="zh-CN" altLang="en-US"/>
           </a:p>
@@ -1347,7 +1348,7 @@
           <a:p>
             <a:fld id="{A36C87B3-AF3D-4E54-8E8D-6155007504E0}" type="datetimeFigureOut">
               <a:rPr lang="zh-CN" altLang="en-US" smtClean="0"/>
-              <a:t>2020/3/16</a:t>
+              <a:t>2020/3/23</a:t>
             </a:fld>
             <a:endParaRPr lang="zh-CN" altLang="en-US"/>
           </a:p>
@@ -1769,7 +1770,7 @@
           <a:p>
             <a:fld id="{A36C87B3-AF3D-4E54-8E8D-6155007504E0}" type="datetimeFigureOut">
               <a:rPr lang="zh-CN" altLang="en-US" smtClean="0"/>
-              <a:t>2020/3/16</a:t>
+              <a:t>2020/3/23</a:t>
             </a:fld>
             <a:endParaRPr lang="zh-CN" altLang="en-US"/>
           </a:p>
@@ -1887,7 +1888,7 @@
           <a:p>
             <a:fld id="{A36C87B3-AF3D-4E54-8E8D-6155007504E0}" type="datetimeFigureOut">
               <a:rPr lang="zh-CN" altLang="en-US" smtClean="0"/>
-              <a:t>2020/3/16</a:t>
+              <a:t>2020/3/23</a:t>
             </a:fld>
             <a:endParaRPr lang="zh-CN" altLang="en-US"/>
           </a:p>
@@ -1982,7 +1983,7 @@
           <a:p>
             <a:fld id="{A36C87B3-AF3D-4E54-8E8D-6155007504E0}" type="datetimeFigureOut">
               <a:rPr lang="zh-CN" altLang="en-US" smtClean="0"/>
-              <a:t>2020/3/16</a:t>
+              <a:t>2020/3/23</a:t>
             </a:fld>
             <a:endParaRPr lang="zh-CN" altLang="en-US"/>
           </a:p>
@@ -2259,7 +2260,7 @@
           <a:p>
             <a:fld id="{A36C87B3-AF3D-4E54-8E8D-6155007504E0}" type="datetimeFigureOut">
               <a:rPr lang="zh-CN" altLang="en-US" smtClean="0"/>
-              <a:t>2020/3/16</a:t>
+              <a:t>2020/3/23</a:t>
             </a:fld>
             <a:endParaRPr lang="zh-CN" altLang="en-US"/>
           </a:p>
@@ -2512,7 +2513,7 @@
           <a:p>
             <a:fld id="{A36C87B3-AF3D-4E54-8E8D-6155007504E0}" type="datetimeFigureOut">
               <a:rPr lang="zh-CN" altLang="en-US" smtClean="0"/>
-              <a:t>2020/3/16</a:t>
+              <a:t>2020/3/23</a:t>
             </a:fld>
             <a:endParaRPr lang="zh-CN" altLang="en-US"/>
           </a:p>
@@ -2725,7 +2726,7 @@
           <a:p>
             <a:fld id="{A36C87B3-AF3D-4E54-8E8D-6155007504E0}" type="datetimeFigureOut">
               <a:rPr lang="zh-CN" altLang="en-US" smtClean="0"/>
-              <a:t>2020/3/16</a:t>
+              <a:t>2020/3/23</a:t>
             </a:fld>
             <a:endParaRPr lang="zh-CN" altLang="en-US"/>
           </a:p>
@@ -4424,6 +4425,850 @@
     <p:extLst>
       <p:ext uri="{BB962C8B-B14F-4D97-AF65-F5344CB8AC3E}">
         <p14:creationId xmlns:p14="http://schemas.microsoft.com/office/powerpoint/2010/main" val="2688022339"/>
+      </p:ext>
+    </p:extLst>
+  </p:cSld>
+  <p:clrMapOvr>
+    <a:masterClrMapping/>
+  </p:clrMapOvr>
+</p:sld>
+</file>
+
+<file path=ppt/slides/slide7.xml><?xml version="1.0" encoding="utf-8"?>
+<p:sld xmlns:a="http://schemas.openxmlformats.org/drawingml/2006/main" xmlns:r="http://schemas.openxmlformats.org/officeDocument/2006/relationships" xmlns:p="http://schemas.openxmlformats.org/presentationml/2006/main">
+  <p:cSld>
+    <p:spTree>
+      <p:nvGrpSpPr>
+        <p:cNvPr id="1" name=""/>
+        <p:cNvGrpSpPr/>
+        <p:nvPr/>
+      </p:nvGrpSpPr>
+      <p:grpSpPr>
+        <a:xfrm>
+          <a:off x="0" y="0"/>
+          <a:ext cx="0" cy="0"/>
+          <a:chOff x="0" y="0"/>
+          <a:chExt cx="0" cy="0"/>
+        </a:xfrm>
+      </p:grpSpPr>
+      <p:sp>
+        <p:nvSpPr>
+          <p:cNvPr id="2" name="标题 1"/>
+          <p:cNvSpPr>
+            <a:spLocks noGrp="1"/>
+          </p:cNvSpPr>
+          <p:nvPr>
+            <p:ph type="title"/>
+          </p:nvPr>
+        </p:nvSpPr>
+        <p:spPr/>
+        <p:txBody>
+          <a:bodyPr/>
+          <a:lstStyle/>
+          <a:p>
+            <a:r>
+              <a:rPr lang="zh-CN" altLang="en-US" dirty="0" smtClean="0"/>
+              <a:t>多次查询评论列表</a:t>
+            </a:r>
+            <a:endParaRPr lang="zh-CN" altLang="en-US" dirty="0"/>
+          </a:p>
+        </p:txBody>
+      </p:sp>
+      <p:sp>
+        <p:nvSpPr>
+          <p:cNvPr id="3" name="内容占位符 2"/>
+          <p:cNvSpPr>
+            <a:spLocks noGrp="1"/>
+          </p:cNvSpPr>
+          <p:nvPr>
+            <p:ph idx="1"/>
+          </p:nvPr>
+        </p:nvSpPr>
+        <p:spPr/>
+        <p:txBody>
+          <a:bodyPr>
+            <a:normAutofit fontScale="32500" lnSpcReduction="20000"/>
+          </a:bodyPr>
+          <a:lstStyle/>
+          <a:p>
+            <a:pPr marL="0" indent="0">
+              <a:buNone/>
+            </a:pPr>
+            <a:r>
+              <a:rPr lang="en-US" altLang="zh-CN" dirty="0" err="1"/>
+              <a:t>CommentDao</a:t>
+            </a:r>
+            <a:r>
+              <a:rPr lang="en-US" altLang="zh-CN" dirty="0"/>
+              <a:t> Error:  { Error: ER_CON_COUNT_ERROR: Too many connections</a:t>
+            </a:r>
+          </a:p>
+          <a:p>
+            <a:pPr marL="0" indent="0">
+              <a:buNone/>
+            </a:pPr>
+            <a:r>
+              <a:rPr lang="en-US" altLang="zh-CN" dirty="0"/>
+              <a:t>    at Handshake.Sequence._</a:t>
+            </a:r>
+            <a:r>
+              <a:rPr lang="en-US" altLang="zh-CN" dirty="0" err="1"/>
+              <a:t>packetToError</a:t>
+            </a:r>
+            <a:r>
+              <a:rPr lang="en-US" altLang="zh-CN" dirty="0"/>
+              <a:t> (D:\</a:t>
+            </a:r>
+            <a:r>
+              <a:rPr lang="en-US" altLang="zh-CN" dirty="0" err="1"/>
+              <a:t>xhn</a:t>
+            </a:r>
+            <a:r>
+              <a:rPr lang="en-US" altLang="zh-CN" dirty="0"/>
+              <a:t>\programs\deltaning.com\</a:t>
+            </a:r>
+            <a:r>
+              <a:rPr lang="en-US" altLang="zh-CN" dirty="0" err="1"/>
+              <a:t>node_modules</a:t>
+            </a:r>
+            <a:r>
+              <a:rPr lang="en-US" altLang="zh-CN" dirty="0"/>
+              <a:t>\</a:t>
+            </a:r>
+            <a:r>
+              <a:rPr lang="en-US" altLang="zh-CN" dirty="0" err="1"/>
+              <a:t>mysql</a:t>
+            </a:r>
+            <a:r>
+              <a:rPr lang="en-US" altLang="zh-CN" dirty="0"/>
+              <a:t>\lib\protocol\sequences\Sequence.js:47:14)</a:t>
+            </a:r>
+          </a:p>
+          <a:p>
+            <a:pPr marL="0" indent="0">
+              <a:buNone/>
+            </a:pPr>
+            <a:r>
+              <a:rPr lang="en-US" altLang="zh-CN" dirty="0"/>
+              <a:t>    at </a:t>
+            </a:r>
+            <a:r>
+              <a:rPr lang="en-US" altLang="zh-CN" dirty="0" err="1"/>
+              <a:t>Handshake.ErrorPacket</a:t>
+            </a:r>
+            <a:r>
+              <a:rPr lang="en-US" altLang="zh-CN" dirty="0"/>
+              <a:t> (D:\</a:t>
+            </a:r>
+            <a:r>
+              <a:rPr lang="en-US" altLang="zh-CN" dirty="0" err="1"/>
+              <a:t>xhn</a:t>
+            </a:r>
+            <a:r>
+              <a:rPr lang="en-US" altLang="zh-CN" dirty="0"/>
+              <a:t>\programs\deltaning.com\</a:t>
+            </a:r>
+            <a:r>
+              <a:rPr lang="en-US" altLang="zh-CN" dirty="0" err="1"/>
+              <a:t>node_modules</a:t>
+            </a:r>
+            <a:r>
+              <a:rPr lang="en-US" altLang="zh-CN" dirty="0"/>
+              <a:t>\</a:t>
+            </a:r>
+            <a:r>
+              <a:rPr lang="en-US" altLang="zh-CN" dirty="0" err="1"/>
+              <a:t>mysql</a:t>
+            </a:r>
+            <a:r>
+              <a:rPr lang="en-US" altLang="zh-CN" dirty="0"/>
+              <a:t>\lib\protocol\sequences\Handshake.js:123:18)</a:t>
+            </a:r>
+          </a:p>
+          <a:p>
+            <a:pPr marL="0" indent="0">
+              <a:buNone/>
+            </a:pPr>
+            <a:r>
+              <a:rPr lang="en-US" altLang="zh-CN" dirty="0"/>
+              <a:t>    at Protocol._</a:t>
+            </a:r>
+            <a:r>
+              <a:rPr lang="en-US" altLang="zh-CN" dirty="0" err="1"/>
+              <a:t>parsePacket</a:t>
+            </a:r>
+            <a:r>
+              <a:rPr lang="en-US" altLang="zh-CN" dirty="0"/>
+              <a:t> (D:\</a:t>
+            </a:r>
+            <a:r>
+              <a:rPr lang="en-US" altLang="zh-CN" dirty="0" err="1"/>
+              <a:t>xhn</a:t>
+            </a:r>
+            <a:r>
+              <a:rPr lang="en-US" altLang="zh-CN" dirty="0"/>
+              <a:t>\programs\deltaning.com\</a:t>
+            </a:r>
+            <a:r>
+              <a:rPr lang="en-US" altLang="zh-CN" dirty="0" err="1"/>
+              <a:t>node_modules</a:t>
+            </a:r>
+            <a:r>
+              <a:rPr lang="en-US" altLang="zh-CN" dirty="0"/>
+              <a:t>\</a:t>
+            </a:r>
+            <a:r>
+              <a:rPr lang="en-US" altLang="zh-CN" dirty="0" err="1"/>
+              <a:t>mysql</a:t>
+            </a:r>
+            <a:r>
+              <a:rPr lang="en-US" altLang="zh-CN" dirty="0"/>
+              <a:t>\lib\protocol\Protocol.js:291:23)</a:t>
+            </a:r>
+          </a:p>
+          <a:p>
+            <a:pPr marL="0" indent="0">
+              <a:buNone/>
+            </a:pPr>
+            <a:r>
+              <a:rPr lang="en-US" altLang="zh-CN" dirty="0"/>
+              <a:t>    at Parser._</a:t>
+            </a:r>
+            <a:r>
+              <a:rPr lang="en-US" altLang="zh-CN" dirty="0" err="1"/>
+              <a:t>parsePacket</a:t>
+            </a:r>
+            <a:r>
+              <a:rPr lang="en-US" altLang="zh-CN" dirty="0"/>
+              <a:t> (D:\</a:t>
+            </a:r>
+            <a:r>
+              <a:rPr lang="en-US" altLang="zh-CN" dirty="0" err="1"/>
+              <a:t>xhn</a:t>
+            </a:r>
+            <a:r>
+              <a:rPr lang="en-US" altLang="zh-CN" dirty="0"/>
+              <a:t>\programs\deltaning.com\</a:t>
+            </a:r>
+            <a:r>
+              <a:rPr lang="en-US" altLang="zh-CN" dirty="0" err="1"/>
+              <a:t>node_modules</a:t>
+            </a:r>
+            <a:r>
+              <a:rPr lang="en-US" altLang="zh-CN" dirty="0"/>
+              <a:t>\</a:t>
+            </a:r>
+            <a:r>
+              <a:rPr lang="en-US" altLang="zh-CN" dirty="0" err="1"/>
+              <a:t>mysql</a:t>
+            </a:r>
+            <a:r>
+              <a:rPr lang="en-US" altLang="zh-CN" dirty="0"/>
+              <a:t>\lib\protocol\Parser.js:433:10)</a:t>
+            </a:r>
+          </a:p>
+          <a:p>
+            <a:pPr marL="0" indent="0">
+              <a:buNone/>
+            </a:pPr>
+            <a:r>
+              <a:rPr lang="en-US" altLang="zh-CN" dirty="0"/>
+              <a:t>    at </a:t>
+            </a:r>
+            <a:r>
+              <a:rPr lang="en-US" altLang="zh-CN" dirty="0" err="1"/>
+              <a:t>Parser.write</a:t>
+            </a:r>
+            <a:r>
+              <a:rPr lang="en-US" altLang="zh-CN" dirty="0"/>
+              <a:t> (D:\</a:t>
+            </a:r>
+            <a:r>
+              <a:rPr lang="en-US" altLang="zh-CN" dirty="0" err="1"/>
+              <a:t>xhn</a:t>
+            </a:r>
+            <a:r>
+              <a:rPr lang="en-US" altLang="zh-CN" dirty="0"/>
+              <a:t>\programs\deltaning.com\</a:t>
+            </a:r>
+            <a:r>
+              <a:rPr lang="en-US" altLang="zh-CN" dirty="0" err="1"/>
+              <a:t>node_modules</a:t>
+            </a:r>
+            <a:r>
+              <a:rPr lang="en-US" altLang="zh-CN" dirty="0"/>
+              <a:t>\</a:t>
+            </a:r>
+            <a:r>
+              <a:rPr lang="en-US" altLang="zh-CN" dirty="0" err="1"/>
+              <a:t>mysql</a:t>
+            </a:r>
+            <a:r>
+              <a:rPr lang="en-US" altLang="zh-CN" dirty="0"/>
+              <a:t>\lib\protocol\Parser.js:43:10)</a:t>
+            </a:r>
+          </a:p>
+          <a:p>
+            <a:pPr marL="0" indent="0">
+              <a:buNone/>
+            </a:pPr>
+            <a:r>
+              <a:rPr lang="en-US" altLang="zh-CN" dirty="0"/>
+              <a:t>    at </a:t>
+            </a:r>
+            <a:r>
+              <a:rPr lang="en-US" altLang="zh-CN" dirty="0" err="1"/>
+              <a:t>Protocol.write</a:t>
+            </a:r>
+            <a:r>
+              <a:rPr lang="en-US" altLang="zh-CN" dirty="0"/>
+              <a:t> (D:\</a:t>
+            </a:r>
+            <a:r>
+              <a:rPr lang="en-US" altLang="zh-CN" dirty="0" err="1"/>
+              <a:t>xhn</a:t>
+            </a:r>
+            <a:r>
+              <a:rPr lang="en-US" altLang="zh-CN" dirty="0"/>
+              <a:t>\programs\deltaning.com\</a:t>
+            </a:r>
+            <a:r>
+              <a:rPr lang="en-US" altLang="zh-CN" dirty="0" err="1"/>
+              <a:t>node_modules</a:t>
+            </a:r>
+            <a:r>
+              <a:rPr lang="en-US" altLang="zh-CN" dirty="0"/>
+              <a:t>\</a:t>
+            </a:r>
+            <a:r>
+              <a:rPr lang="en-US" altLang="zh-CN" dirty="0" err="1"/>
+              <a:t>mysql</a:t>
+            </a:r>
+            <a:r>
+              <a:rPr lang="en-US" altLang="zh-CN" dirty="0"/>
+              <a:t>\lib\protocol\Protocol.js:38:16)</a:t>
+            </a:r>
+          </a:p>
+          <a:p>
+            <a:pPr marL="0" indent="0">
+              <a:buNone/>
+            </a:pPr>
+            <a:r>
+              <a:rPr lang="en-US" altLang="zh-CN" dirty="0"/>
+              <a:t>    at Socket.&lt;anonymous&gt; (D:\</a:t>
+            </a:r>
+            <a:r>
+              <a:rPr lang="en-US" altLang="zh-CN" dirty="0" err="1"/>
+              <a:t>xhn</a:t>
+            </a:r>
+            <a:r>
+              <a:rPr lang="en-US" altLang="zh-CN" dirty="0"/>
+              <a:t>\programs\deltaning.com\</a:t>
+            </a:r>
+            <a:r>
+              <a:rPr lang="en-US" altLang="zh-CN" dirty="0" err="1"/>
+              <a:t>node_modules</a:t>
+            </a:r>
+            <a:r>
+              <a:rPr lang="en-US" altLang="zh-CN" dirty="0"/>
+              <a:t>\</a:t>
+            </a:r>
+            <a:r>
+              <a:rPr lang="en-US" altLang="zh-CN" dirty="0" err="1"/>
+              <a:t>mysql</a:t>
+            </a:r>
+            <a:r>
+              <a:rPr lang="en-US" altLang="zh-CN" dirty="0"/>
+              <a:t>\lib\Connection.js:88:28)</a:t>
+            </a:r>
+          </a:p>
+          <a:p>
+            <a:pPr marL="0" indent="0">
+              <a:buNone/>
+            </a:pPr>
+            <a:r>
+              <a:rPr lang="en-US" altLang="zh-CN" dirty="0"/>
+              <a:t>    at Socket.&lt;anonymous&gt; (D:\</a:t>
+            </a:r>
+            <a:r>
+              <a:rPr lang="en-US" altLang="zh-CN" dirty="0" err="1"/>
+              <a:t>xhn</a:t>
+            </a:r>
+            <a:r>
+              <a:rPr lang="en-US" altLang="zh-CN" dirty="0"/>
+              <a:t>\programs\deltaning.com\</a:t>
+            </a:r>
+            <a:r>
+              <a:rPr lang="en-US" altLang="zh-CN" dirty="0" err="1"/>
+              <a:t>node_modules</a:t>
+            </a:r>
+            <a:r>
+              <a:rPr lang="en-US" altLang="zh-CN" dirty="0"/>
+              <a:t>\</a:t>
+            </a:r>
+            <a:r>
+              <a:rPr lang="en-US" altLang="zh-CN" dirty="0" err="1"/>
+              <a:t>mysql</a:t>
+            </a:r>
+            <a:r>
+              <a:rPr lang="en-US" altLang="zh-CN" dirty="0"/>
+              <a:t>\lib\Connection.js:526:10)</a:t>
+            </a:r>
+          </a:p>
+          <a:p>
+            <a:pPr marL="0" indent="0">
+              <a:buNone/>
+            </a:pPr>
+            <a:r>
+              <a:rPr lang="en-US" altLang="zh-CN" dirty="0"/>
+              <a:t>    at </a:t>
+            </a:r>
+            <a:r>
+              <a:rPr lang="en-US" altLang="zh-CN" dirty="0" err="1"/>
+              <a:t>Socket.emit</a:t>
+            </a:r>
+            <a:r>
+              <a:rPr lang="en-US" altLang="zh-CN" dirty="0"/>
+              <a:t> (events.js:182:13)</a:t>
+            </a:r>
+          </a:p>
+          <a:p>
+            <a:pPr marL="0" indent="0">
+              <a:buNone/>
+            </a:pPr>
+            <a:r>
+              <a:rPr lang="en-US" altLang="zh-CN" dirty="0"/>
+              <a:t>    at </a:t>
+            </a:r>
+            <a:r>
+              <a:rPr lang="en-US" altLang="zh-CN" dirty="0" err="1"/>
+              <a:t>addChunk</a:t>
+            </a:r>
+            <a:r>
+              <a:rPr lang="en-US" altLang="zh-CN" dirty="0"/>
+              <a:t> (_stream_readable.js:283:12)</a:t>
+            </a:r>
+          </a:p>
+          <a:p>
+            <a:pPr marL="0" indent="0">
+              <a:buNone/>
+            </a:pPr>
+            <a:r>
+              <a:rPr lang="en-US" altLang="zh-CN" dirty="0"/>
+              <a:t>    --------------------</a:t>
+            </a:r>
+          </a:p>
+          <a:p>
+            <a:pPr marL="0" indent="0">
+              <a:buNone/>
+            </a:pPr>
+            <a:r>
+              <a:rPr lang="en-US" altLang="zh-CN" dirty="0"/>
+              <a:t>    at Protocol._</a:t>
+            </a:r>
+            <a:r>
+              <a:rPr lang="en-US" altLang="zh-CN" dirty="0" err="1"/>
+              <a:t>enqueue</a:t>
+            </a:r>
+            <a:r>
+              <a:rPr lang="en-US" altLang="zh-CN" dirty="0"/>
+              <a:t> (D:\</a:t>
+            </a:r>
+            <a:r>
+              <a:rPr lang="en-US" altLang="zh-CN" dirty="0" err="1"/>
+              <a:t>xhn</a:t>
+            </a:r>
+            <a:r>
+              <a:rPr lang="en-US" altLang="zh-CN" dirty="0"/>
+              <a:t>\programs\deltaning.com\</a:t>
+            </a:r>
+            <a:r>
+              <a:rPr lang="en-US" altLang="zh-CN" dirty="0" err="1"/>
+              <a:t>node_modules</a:t>
+            </a:r>
+            <a:r>
+              <a:rPr lang="en-US" altLang="zh-CN" dirty="0"/>
+              <a:t>\</a:t>
+            </a:r>
+            <a:r>
+              <a:rPr lang="en-US" altLang="zh-CN" dirty="0" err="1"/>
+              <a:t>mysql</a:t>
+            </a:r>
+            <a:r>
+              <a:rPr lang="en-US" altLang="zh-CN" dirty="0"/>
+              <a:t>\lib\protocol\Protocol.js:144:48)</a:t>
+            </a:r>
+          </a:p>
+          <a:p>
+            <a:pPr marL="0" indent="0">
+              <a:buNone/>
+            </a:pPr>
+            <a:r>
+              <a:rPr lang="en-US" altLang="zh-CN" dirty="0"/>
+              <a:t>    at </a:t>
+            </a:r>
+            <a:r>
+              <a:rPr lang="en-US" altLang="zh-CN" dirty="0" err="1"/>
+              <a:t>Protocol.handshake</a:t>
+            </a:r>
+            <a:r>
+              <a:rPr lang="en-US" altLang="zh-CN" dirty="0"/>
+              <a:t> (D:\</a:t>
+            </a:r>
+            <a:r>
+              <a:rPr lang="en-US" altLang="zh-CN" dirty="0" err="1"/>
+              <a:t>xhn</a:t>
+            </a:r>
+            <a:r>
+              <a:rPr lang="en-US" altLang="zh-CN" dirty="0"/>
+              <a:t>\programs\deltaning.com\</a:t>
+            </a:r>
+            <a:r>
+              <a:rPr lang="en-US" altLang="zh-CN" dirty="0" err="1"/>
+              <a:t>node_modules</a:t>
+            </a:r>
+            <a:r>
+              <a:rPr lang="en-US" altLang="zh-CN" dirty="0"/>
+              <a:t>\</a:t>
+            </a:r>
+            <a:r>
+              <a:rPr lang="en-US" altLang="zh-CN" dirty="0" err="1"/>
+              <a:t>mysql</a:t>
+            </a:r>
+            <a:r>
+              <a:rPr lang="en-US" altLang="zh-CN" dirty="0"/>
+              <a:t>\lib\protocol\Protocol.js:51:23)</a:t>
+            </a:r>
+          </a:p>
+          <a:p>
+            <a:pPr marL="0" indent="0">
+              <a:buNone/>
+            </a:pPr>
+            <a:r>
+              <a:rPr lang="en-US" altLang="zh-CN" dirty="0"/>
+              <a:t>    at </a:t>
+            </a:r>
+            <a:r>
+              <a:rPr lang="en-US" altLang="zh-CN" dirty="0" err="1"/>
+              <a:t>Connection.connect</a:t>
+            </a:r>
+            <a:r>
+              <a:rPr lang="en-US" altLang="zh-CN" dirty="0"/>
+              <a:t> (D:\</a:t>
+            </a:r>
+            <a:r>
+              <a:rPr lang="en-US" altLang="zh-CN" dirty="0" err="1"/>
+              <a:t>xhn</a:t>
+            </a:r>
+            <a:r>
+              <a:rPr lang="en-US" altLang="zh-CN" dirty="0"/>
+              <a:t>\programs\deltaning.com\</a:t>
+            </a:r>
+            <a:r>
+              <a:rPr lang="en-US" altLang="zh-CN" dirty="0" err="1"/>
+              <a:t>node_modules</a:t>
+            </a:r>
+            <a:r>
+              <a:rPr lang="en-US" altLang="zh-CN" dirty="0"/>
+              <a:t>\</a:t>
+            </a:r>
+            <a:r>
+              <a:rPr lang="en-US" altLang="zh-CN" dirty="0" err="1"/>
+              <a:t>mysql</a:t>
+            </a:r>
+            <a:r>
+              <a:rPr lang="en-US" altLang="zh-CN" dirty="0"/>
+              <a:t>\lib\Connection.js:116:18)</a:t>
+            </a:r>
+          </a:p>
+          <a:p>
+            <a:pPr marL="0" indent="0">
+              <a:buNone/>
+            </a:pPr>
+            <a:r>
+              <a:rPr lang="en-US" altLang="zh-CN" dirty="0"/>
+              <a:t>    at </a:t>
+            </a:r>
+            <a:r>
+              <a:rPr lang="en-US" altLang="zh-CN" dirty="0" err="1"/>
+              <a:t>Object.queryNewComments</a:t>
+            </a:r>
+            <a:r>
+              <a:rPr lang="en-US" altLang="zh-CN" dirty="0"/>
+              <a:t> (D:\</a:t>
+            </a:r>
+            <a:r>
+              <a:rPr lang="en-US" altLang="zh-CN" dirty="0" err="1"/>
+              <a:t>xhn</a:t>
+            </a:r>
+            <a:r>
+              <a:rPr lang="en-US" altLang="zh-CN" dirty="0"/>
+              <a:t>\programs\deltaning.com\</a:t>
+            </a:r>
+            <a:r>
+              <a:rPr lang="en-US" altLang="zh-CN" dirty="0" err="1"/>
+              <a:t>dao</a:t>
+            </a:r>
+            <a:r>
+              <a:rPr lang="en-US" altLang="zh-CN" dirty="0"/>
+              <a:t>\CommentDao.js:89:16)</a:t>
+            </a:r>
+          </a:p>
+          <a:p>
+            <a:pPr marL="0" indent="0">
+              <a:buNone/>
+            </a:pPr>
+            <a:r>
+              <a:rPr lang="en-US" altLang="zh-CN" dirty="0"/>
+              <a:t>    at </a:t>
+            </a:r>
+            <a:r>
+              <a:rPr lang="en-US" altLang="zh-CN" dirty="0" err="1"/>
+              <a:t>queryNewComments</a:t>
+            </a:r>
+            <a:r>
+              <a:rPr lang="en-US" altLang="zh-CN" dirty="0"/>
+              <a:t> (D:\</a:t>
+            </a:r>
+            <a:r>
+              <a:rPr lang="en-US" altLang="zh-CN" dirty="0" err="1"/>
+              <a:t>xhn</a:t>
+            </a:r>
+            <a:r>
+              <a:rPr lang="en-US" altLang="zh-CN" dirty="0"/>
+              <a:t>\programs\deltaning.com\web\CommentController.js:10:16)</a:t>
+            </a:r>
+          </a:p>
+          <a:p>
+            <a:pPr marL="0" indent="0">
+              <a:buNone/>
+            </a:pPr>
+            <a:r>
+              <a:rPr lang="en-US" altLang="zh-CN" dirty="0"/>
+              <a:t>    at </a:t>
+            </a:r>
+            <a:r>
+              <a:rPr lang="en-US" altLang="zh-CN" dirty="0" err="1"/>
+              <a:t>Layer.handle</a:t>
+            </a:r>
+            <a:r>
+              <a:rPr lang="en-US" altLang="zh-CN" dirty="0"/>
+              <a:t> [as </a:t>
+            </a:r>
+            <a:r>
+              <a:rPr lang="en-US" altLang="zh-CN" dirty="0" err="1"/>
+              <a:t>handle_request</a:t>
+            </a:r>
+            <a:r>
+              <a:rPr lang="en-US" altLang="zh-CN" dirty="0"/>
+              <a:t>] (D:\</a:t>
+            </a:r>
+            <a:r>
+              <a:rPr lang="en-US" altLang="zh-CN" dirty="0" err="1"/>
+              <a:t>xhn</a:t>
+            </a:r>
+            <a:r>
+              <a:rPr lang="en-US" altLang="zh-CN" dirty="0"/>
+              <a:t>\programs\deltaning.com\</a:t>
+            </a:r>
+            <a:r>
+              <a:rPr lang="en-US" altLang="zh-CN" dirty="0" err="1"/>
+              <a:t>node_modules</a:t>
+            </a:r>
+            <a:r>
+              <a:rPr lang="en-US" altLang="zh-CN" dirty="0"/>
+              <a:t>\express\lib\router\layer.js:95:5)</a:t>
+            </a:r>
+          </a:p>
+          <a:p>
+            <a:pPr marL="0" indent="0">
+              <a:buNone/>
+            </a:pPr>
+            <a:r>
+              <a:rPr lang="en-US" altLang="zh-CN" dirty="0"/>
+              <a:t>    at next (D:\</a:t>
+            </a:r>
+            <a:r>
+              <a:rPr lang="en-US" altLang="zh-CN" dirty="0" err="1"/>
+              <a:t>xhn</a:t>
+            </a:r>
+            <a:r>
+              <a:rPr lang="en-US" altLang="zh-CN" dirty="0"/>
+              <a:t>\programs\deltaning.com\</a:t>
+            </a:r>
+            <a:r>
+              <a:rPr lang="en-US" altLang="zh-CN" dirty="0" err="1"/>
+              <a:t>node_modules</a:t>
+            </a:r>
+            <a:r>
+              <a:rPr lang="en-US" altLang="zh-CN" dirty="0"/>
+              <a:t>\express\lib\router\route.js:137:13)</a:t>
+            </a:r>
+          </a:p>
+          <a:p>
+            <a:pPr marL="0" indent="0">
+              <a:buNone/>
+            </a:pPr>
+            <a:r>
+              <a:rPr lang="en-US" altLang="zh-CN" dirty="0"/>
+              <a:t>    at </a:t>
+            </a:r>
+            <a:r>
+              <a:rPr lang="en-US" altLang="zh-CN" dirty="0" err="1"/>
+              <a:t>Route.dispatch</a:t>
+            </a:r>
+            <a:r>
+              <a:rPr lang="en-US" altLang="zh-CN" dirty="0"/>
+              <a:t> (D:\</a:t>
+            </a:r>
+            <a:r>
+              <a:rPr lang="en-US" altLang="zh-CN" dirty="0" err="1"/>
+              <a:t>xhn</a:t>
+            </a:r>
+            <a:r>
+              <a:rPr lang="en-US" altLang="zh-CN" dirty="0"/>
+              <a:t>\programs\deltaning.com\</a:t>
+            </a:r>
+            <a:r>
+              <a:rPr lang="en-US" altLang="zh-CN" dirty="0" err="1"/>
+              <a:t>node_modules</a:t>
+            </a:r>
+            <a:r>
+              <a:rPr lang="en-US" altLang="zh-CN" dirty="0"/>
+              <a:t>\express\lib\router\route.js:112:3)</a:t>
+            </a:r>
+          </a:p>
+          <a:p>
+            <a:pPr marL="0" indent="0">
+              <a:buNone/>
+            </a:pPr>
+            <a:r>
+              <a:rPr lang="en-US" altLang="zh-CN" dirty="0"/>
+              <a:t>    at </a:t>
+            </a:r>
+            <a:r>
+              <a:rPr lang="en-US" altLang="zh-CN" dirty="0" err="1"/>
+              <a:t>Layer.handle</a:t>
+            </a:r>
+            <a:r>
+              <a:rPr lang="en-US" altLang="zh-CN" dirty="0"/>
+              <a:t> [as </a:t>
+            </a:r>
+            <a:r>
+              <a:rPr lang="en-US" altLang="zh-CN" dirty="0" err="1"/>
+              <a:t>handle_request</a:t>
+            </a:r>
+            <a:r>
+              <a:rPr lang="en-US" altLang="zh-CN" dirty="0"/>
+              <a:t>] (D:\</a:t>
+            </a:r>
+            <a:r>
+              <a:rPr lang="en-US" altLang="zh-CN" dirty="0" err="1"/>
+              <a:t>xhn</a:t>
+            </a:r>
+            <a:r>
+              <a:rPr lang="en-US" altLang="zh-CN" dirty="0"/>
+              <a:t>\programs\deltaning.com\</a:t>
+            </a:r>
+            <a:r>
+              <a:rPr lang="en-US" altLang="zh-CN" dirty="0" err="1"/>
+              <a:t>node_modules</a:t>
+            </a:r>
+            <a:r>
+              <a:rPr lang="en-US" altLang="zh-CN" dirty="0"/>
+              <a:t>\express\lib\router\layer.js:95:5)</a:t>
+            </a:r>
+          </a:p>
+          <a:p>
+            <a:pPr marL="0" indent="0">
+              <a:buNone/>
+            </a:pPr>
+            <a:r>
+              <a:rPr lang="en-US" altLang="zh-CN" dirty="0"/>
+              <a:t>    at D:\xhn\programs\deltaning.com\node_modules\express\lib\router\index.js:281:22</a:t>
+            </a:r>
+          </a:p>
+          <a:p>
+            <a:pPr marL="0" indent="0">
+              <a:buNone/>
+            </a:pPr>
+            <a:r>
+              <a:rPr lang="en-US" altLang="zh-CN" dirty="0"/>
+              <a:t>  code: 'ER_CON_COUNT_ERROR',</a:t>
+            </a:r>
+          </a:p>
+          <a:p>
+            <a:pPr marL="0" indent="0">
+              <a:buNone/>
+            </a:pPr>
+            <a:r>
+              <a:rPr lang="en-US" altLang="zh-CN" dirty="0"/>
+              <a:t>  </a:t>
+            </a:r>
+            <a:r>
+              <a:rPr lang="en-US" altLang="zh-CN" dirty="0" err="1"/>
+              <a:t>errno</a:t>
+            </a:r>
+            <a:r>
+              <a:rPr lang="en-US" altLang="zh-CN" dirty="0"/>
+              <a:t>: 1040,</a:t>
+            </a:r>
+          </a:p>
+          <a:p>
+            <a:pPr marL="0" indent="0">
+              <a:buNone/>
+            </a:pPr>
+            <a:r>
+              <a:rPr lang="en-US" altLang="zh-CN" dirty="0"/>
+              <a:t>  </a:t>
+            </a:r>
+            <a:r>
+              <a:rPr lang="en-US" altLang="zh-CN" dirty="0" err="1"/>
+              <a:t>sqlMessage</a:t>
+            </a:r>
+            <a:r>
+              <a:rPr lang="en-US" altLang="zh-CN" dirty="0"/>
+              <a:t>: 'Too many connections',</a:t>
+            </a:r>
+          </a:p>
+          <a:p>
+            <a:pPr marL="0" indent="0">
+              <a:buNone/>
+            </a:pPr>
+            <a:r>
+              <a:rPr lang="en-US" altLang="zh-CN" dirty="0"/>
+              <a:t>  </a:t>
+            </a:r>
+            <a:r>
+              <a:rPr lang="en-US" altLang="zh-CN" dirty="0" err="1"/>
+              <a:t>sqlState</a:t>
+            </a:r>
+            <a:r>
+              <a:rPr lang="en-US" altLang="zh-CN" dirty="0"/>
+              <a:t>: undefined,</a:t>
+            </a:r>
+          </a:p>
+          <a:p>
+            <a:pPr marL="0" indent="0">
+              <a:buNone/>
+            </a:pPr>
+            <a:r>
+              <a:rPr lang="en-US" altLang="zh-CN" dirty="0"/>
+              <a:t>  fatal: true }</a:t>
+            </a:r>
+          </a:p>
+          <a:p>
+            <a:pPr marL="0" indent="0">
+              <a:buNone/>
+            </a:pPr>
+            <a:endParaRPr lang="zh-CN" altLang="en-US" dirty="0"/>
+          </a:p>
+        </p:txBody>
+      </p:sp>
+    </p:spTree>
+    <p:extLst>
+      <p:ext uri="{BB962C8B-B14F-4D97-AF65-F5344CB8AC3E}">
+        <p14:creationId xmlns:p14="http://schemas.microsoft.com/office/powerpoint/2010/main" val="1010160408"/>
       </p:ext>
     </p:extLst>
   </p:cSld>
